--- a/aihack.pptx
+++ b/aihack.pptx
@@ -11,6 +11,7 @@
     <p:sldId id="258" r:id="rId5"/>
     <p:sldId id="260" r:id="rId6"/>
     <p:sldId id="261" r:id="rId7"/>
+    <p:sldId id="262" r:id="rId8"/>
   </p:sldIdLst>
   <p:sldSz cx="12192000" cy="6858000"/>
   <p:notesSz cx="6858000" cy="9144000"/>
@@ -109,6 +110,11 @@
       </a:defRPr>
     </a:lvl9pPr>
   </p:defaultTextStyle>
+  <p:extLst>
+    <p:ext uri="{EFAFB233-063F-42B5-8137-9DF3F51BA10A}">
+      <p15:sldGuideLst xmlns:p15="http://schemas.microsoft.com/office/powerpoint/2012/main"/>
+    </p:ext>
+  </p:extLst>
 </p:presentation>
 </file>
 
@@ -4075,10 +4081,10 @@
       </p:grpSpPr>
       <p:pic>
         <p:nvPicPr>
-          <p:cNvPr id="5" name="Picture 4">
-            <a:extLst>
-              <a:ext uri="{FF2B5EF4-FFF2-40B4-BE49-F238E27FC236}">
-                <a16:creationId xmlns:a16="http://schemas.microsoft.com/office/drawing/2014/main" id="{A10A8B81-4F7E-584E-A832-D28187FEE680}"/>
+          <p:cNvPr id="6" name="Picture 5">
+            <a:extLst>
+              <a:ext uri="{FF2B5EF4-FFF2-40B4-BE49-F238E27FC236}">
+                <a16:creationId xmlns:a16="http://schemas.microsoft.com/office/drawing/2014/main" id="{6ABBC0C4-F388-044D-9AE9-70740862C626}"/>
               </a:ext>
             </a:extLst>
           </p:cNvPr>
@@ -4095,8 +4101,8 @@
         </p:blipFill>
         <p:spPr>
           <a:xfrm>
-            <a:off x="943897" y="-9416"/>
-            <a:ext cx="10667386" cy="6867416"/>
+            <a:off x="540431" y="-64"/>
+            <a:ext cx="11111242" cy="6858064"/>
           </a:xfrm>
           <a:prstGeom prst="rect">
             <a:avLst/>
@@ -4135,10 +4141,70 @@
       </p:grpSpPr>
       <p:pic>
         <p:nvPicPr>
-          <p:cNvPr id="5" name="Picture 4">
-            <a:extLst>
-              <a:ext uri="{FF2B5EF4-FFF2-40B4-BE49-F238E27FC236}">
-                <a16:creationId xmlns:a16="http://schemas.microsoft.com/office/drawing/2014/main" id="{3BB3A779-155F-F148-AA5E-A1F11A9D078F}"/>
+          <p:cNvPr id="3" name="Picture 2">
+            <a:extLst>
+              <a:ext uri="{FF2B5EF4-FFF2-40B4-BE49-F238E27FC236}">
+                <a16:creationId xmlns:a16="http://schemas.microsoft.com/office/drawing/2014/main" id="{91A940E2-9341-E444-AA4D-87C37E1C981C}"/>
+              </a:ext>
+            </a:extLst>
+          </p:cNvPr>
+          <p:cNvPicPr>
+            <a:picLocks noChangeAspect="1"/>
+          </p:cNvPicPr>
+          <p:nvPr/>
+        </p:nvPicPr>
+        <p:blipFill>
+          <a:blip r:embed="rId2"/>
+          <a:stretch>
+            <a:fillRect/>
+          </a:stretch>
+        </p:blipFill>
+        <p:spPr>
+          <a:xfrm>
+            <a:off x="583259" y="0"/>
+            <a:ext cx="11025481" cy="6858000"/>
+          </a:xfrm>
+          <a:prstGeom prst="rect">
+            <a:avLst/>
+          </a:prstGeom>
+        </p:spPr>
+      </p:pic>
+    </p:spTree>
+    <p:extLst>
+      <p:ext uri="{BB962C8B-B14F-4D97-AF65-F5344CB8AC3E}">
+        <p14:creationId xmlns:p14="http://schemas.microsoft.com/office/powerpoint/2010/main" val="2859476157"/>
+      </p:ext>
+    </p:extLst>
+  </p:cSld>
+  <p:clrMapOvr>
+    <a:masterClrMapping/>
+  </p:clrMapOvr>
+</p:sld>
+</file>
+
+<file path=ppt/slides/slide7.xml><?xml version="1.0" encoding="utf-8"?>
+<p:sld xmlns:a="http://schemas.openxmlformats.org/drawingml/2006/main" xmlns:r="http://schemas.openxmlformats.org/officeDocument/2006/relationships" xmlns:p="http://schemas.openxmlformats.org/presentationml/2006/main">
+  <p:cSld>
+    <p:spTree>
+      <p:nvGrpSpPr>
+        <p:cNvPr id="1" name=""/>
+        <p:cNvGrpSpPr/>
+        <p:nvPr/>
+      </p:nvGrpSpPr>
+      <p:grpSpPr>
+        <a:xfrm>
+          <a:off x="0" y="0"/>
+          <a:ext cx="0" cy="0"/>
+          <a:chOff x="0" y="0"/>
+          <a:chExt cx="0" cy="0"/>
+        </a:xfrm>
+      </p:grpSpPr>
+      <p:pic>
+        <p:nvPicPr>
+          <p:cNvPr id="3" name="Picture 2">
+            <a:extLst>
+              <a:ext uri="{FF2B5EF4-FFF2-40B4-BE49-F238E27FC236}">
+                <a16:creationId xmlns:a16="http://schemas.microsoft.com/office/drawing/2014/main" id="{620CADFE-A00D-5945-938E-E1DF642F0313}"/>
               </a:ext>
             </a:extLst>
           </p:cNvPr>
@@ -4166,7 +4232,7 @@
     </p:spTree>
     <p:extLst>
       <p:ext uri="{BB962C8B-B14F-4D97-AF65-F5344CB8AC3E}">
-        <p14:creationId xmlns:p14="http://schemas.microsoft.com/office/powerpoint/2010/main" val="2859476157"/>
+        <p14:creationId xmlns:p14="http://schemas.microsoft.com/office/powerpoint/2010/main" val="111796937"/>
       </p:ext>
     </p:extLst>
   </p:cSld>

--- a/aihack.pptx
+++ b/aihack.pptx
@@ -12,6 +12,7 @@
     <p:sldId id="260" r:id="rId6"/>
     <p:sldId id="261" r:id="rId7"/>
     <p:sldId id="262" r:id="rId8"/>
+    <p:sldId id="263" r:id="rId9"/>
   </p:sldIdLst>
   <p:sldSz cx="12192000" cy="6858000"/>
   <p:notesSz cx="6858000" cy="9144000"/>
@@ -3667,7 +3668,7 @@
           <a:p>
             <a:r>
               <a:rPr lang="en-US" dirty="0"/>
-              <a:t>1000+ articles collected concerning La Direction </a:t>
+              <a:t>400+ article bodies collected concerning La Direction </a:t>
             </a:r>
             <a:r>
               <a:rPr lang="en-US" dirty="0" err="1"/>
@@ -3677,6 +3678,17 @@
               <a:rPr lang="en-US" dirty="0"/>
               <a:t> Nord-Pas de Calais</a:t>
             </a:r>
+          </a:p>
+          <a:p>
+            <a:r>
+              <a:rPr lang="en-US" dirty="0"/>
+              <a:t>1000+ </a:t>
+            </a:r>
+            <a:r>
+              <a:rPr lang="en-US"/>
+              <a:t>article titles</a:t>
+            </a:r>
+            <a:endParaRPr lang="en-US" dirty="0"/>
           </a:p>
         </p:txBody>
       </p:sp>
@@ -4233,6 +4245,130 @@
     <p:extLst>
       <p:ext uri="{BB962C8B-B14F-4D97-AF65-F5344CB8AC3E}">
         <p14:creationId xmlns:p14="http://schemas.microsoft.com/office/powerpoint/2010/main" val="111796937"/>
+      </p:ext>
+    </p:extLst>
+  </p:cSld>
+  <p:clrMapOvr>
+    <a:masterClrMapping/>
+  </p:clrMapOvr>
+</p:sld>
+</file>
+
+<file path=ppt/slides/slide8.xml><?xml version="1.0" encoding="utf-8"?>
+<p:sld xmlns:a="http://schemas.openxmlformats.org/drawingml/2006/main" xmlns:r="http://schemas.openxmlformats.org/officeDocument/2006/relationships" xmlns:p="http://schemas.openxmlformats.org/presentationml/2006/main">
+  <p:cSld>
+    <p:spTree>
+      <p:nvGrpSpPr>
+        <p:cNvPr id="1" name=""/>
+        <p:cNvGrpSpPr/>
+        <p:nvPr/>
+      </p:nvGrpSpPr>
+      <p:grpSpPr>
+        <a:xfrm>
+          <a:off x="0" y="0"/>
+          <a:ext cx="0" cy="0"/>
+          <a:chOff x="0" y="0"/>
+          <a:chExt cx="0" cy="0"/>
+        </a:xfrm>
+      </p:grpSpPr>
+      <p:sp>
+        <p:nvSpPr>
+          <p:cNvPr id="2" name="Title 1">
+            <a:extLst>
+              <a:ext uri="{FF2B5EF4-FFF2-40B4-BE49-F238E27FC236}">
+                <a16:creationId xmlns:a16="http://schemas.microsoft.com/office/drawing/2014/main" id="{0B702D12-00FA-2F44-AE6D-F0A52D1D19EE}"/>
+              </a:ext>
+            </a:extLst>
+          </p:cNvPr>
+          <p:cNvSpPr>
+            <a:spLocks noGrp="1"/>
+          </p:cNvSpPr>
+          <p:nvPr>
+            <p:ph type="title"/>
+          </p:nvPr>
+        </p:nvSpPr>
+        <p:spPr/>
+        <p:txBody>
+          <a:bodyPr/>
+          <a:lstStyle/>
+          <a:p>
+            <a:r>
+              <a:rPr lang="en-US" dirty="0"/>
+              <a:t>Results</a:t>
+            </a:r>
+          </a:p>
+        </p:txBody>
+      </p:sp>
+      <p:sp>
+        <p:nvSpPr>
+          <p:cNvPr id="3" name="Content Placeholder 2">
+            <a:extLst>
+              <a:ext uri="{FF2B5EF4-FFF2-40B4-BE49-F238E27FC236}">
+                <a16:creationId xmlns:a16="http://schemas.microsoft.com/office/drawing/2014/main" id="{588CF3DA-233C-CF4B-B8A1-1DB36C8D1153}"/>
+              </a:ext>
+            </a:extLst>
+          </p:cNvPr>
+          <p:cNvSpPr>
+            <a:spLocks noGrp="1"/>
+          </p:cNvSpPr>
+          <p:nvPr>
+            <p:ph idx="1"/>
+          </p:nvPr>
+        </p:nvSpPr>
+        <p:spPr/>
+        <p:txBody>
+          <a:bodyPr>
+            <a:normAutofit/>
+          </a:bodyPr>
+          <a:lstStyle/>
+          <a:p>
+            <a:r>
+              <a:rPr lang="en-US" sz="3200" dirty="0" err="1"/>
+              <a:t>Statitics</a:t>
+            </a:r>
+            <a:r>
+              <a:rPr lang="en-US" sz="3200"/>
+              <a:t> for determining </a:t>
+            </a:r>
+            <a:r>
+              <a:rPr lang="en-US" sz="3200" dirty="0"/>
+              <a:t>the tone: </a:t>
+            </a:r>
+          </a:p>
+          <a:p>
+            <a:pPr lvl="1"/>
+            <a:r>
+              <a:rPr lang="en-US" sz="2800" dirty="0"/>
+              <a:t>Average random sample:</a:t>
+            </a:r>
+          </a:p>
+          <a:p>
+            <a:pPr lvl="2"/>
+            <a:r>
+              <a:rPr lang="en-US" sz="2400" dirty="0"/>
+              <a:t>57.2% exact match</a:t>
+            </a:r>
+          </a:p>
+          <a:p>
+            <a:pPr lvl="2"/>
+            <a:r>
+              <a:rPr lang="en-US" sz="2400" dirty="0"/>
+              <a:t>84.2% relative match (cost matrix)</a:t>
+            </a:r>
+          </a:p>
+          <a:p>
+            <a:pPr lvl="2"/>
+            <a:r>
+              <a:rPr lang="en-US" sz="2400" dirty="0"/>
+              <a:t>1% mismatch</a:t>
+            </a:r>
+          </a:p>
+        </p:txBody>
+      </p:sp>
+    </p:spTree>
+    <p:extLst>
+      <p:ext uri="{BB962C8B-B14F-4D97-AF65-F5344CB8AC3E}">
+        <p14:creationId xmlns:p14="http://schemas.microsoft.com/office/powerpoint/2010/main" val="1672693247"/>
       </p:ext>
     </p:extLst>
   </p:cSld>

--- a/aihack.pptx
+++ b/aihack.pptx
@@ -2916,7 +2916,7 @@
           <a:p>
             <a:fld id="{586651DB-1026-0743-A3A0-9871C63E3C99}" type="datetimeFigureOut">
               <a:rPr lang="en-US" smtClean="0"/>
-              <a:t>2/1/25</a:t>
+              <a:t>2/2/25</a:t>
             </a:fld>
             <a:endParaRPr lang="en-US"/>
           </a:p>
@@ -3012,6 +3012,166 @@
           </a:p>
         </p:txBody>
       </p:sp>
+      <p:cxnSp>
+        <p:nvCxnSpPr>
+          <p:cNvPr id="8" name="Straight Connector 7">
+            <a:extLst>
+              <a:ext uri="{FF2B5EF4-FFF2-40B4-BE49-F238E27FC236}">
+                <a16:creationId xmlns:a16="http://schemas.microsoft.com/office/drawing/2014/main" id="{0F40802F-900C-B244-BB3B-D78024E3D738}"/>
+              </a:ext>
+            </a:extLst>
+          </p:cNvPr>
+          <p:cNvCxnSpPr/>
+          <p:nvPr userDrawn="1"/>
+        </p:nvCxnSpPr>
+        <p:spPr>
+          <a:xfrm>
+            <a:off x="-12879" y="746975"/>
+            <a:ext cx="12192000" cy="0"/>
+          </a:xfrm>
+          <a:prstGeom prst="line">
+            <a:avLst/>
+          </a:prstGeom>
+          <a:ln/>
+        </p:spPr>
+        <p:style>
+          <a:lnRef idx="3">
+            <a:schemeClr val="accent1"/>
+          </a:lnRef>
+          <a:fillRef idx="0">
+            <a:schemeClr val="accent1"/>
+          </a:fillRef>
+          <a:effectRef idx="2">
+            <a:schemeClr val="accent1"/>
+          </a:effectRef>
+          <a:fontRef idx="minor">
+            <a:schemeClr val="tx1"/>
+          </a:fontRef>
+        </p:style>
+      </p:cxnSp>
+      <p:cxnSp>
+        <p:nvCxnSpPr>
+          <p:cNvPr id="9" name="Straight Connector 8">
+            <a:extLst>
+              <a:ext uri="{FF2B5EF4-FFF2-40B4-BE49-F238E27FC236}">
+                <a16:creationId xmlns:a16="http://schemas.microsoft.com/office/drawing/2014/main" id="{46EE2A42-5000-644E-8412-9DF4426974BD}"/>
+              </a:ext>
+            </a:extLst>
+          </p:cNvPr>
+          <p:cNvCxnSpPr/>
+          <p:nvPr userDrawn="1"/>
+        </p:nvCxnSpPr>
+        <p:spPr>
+          <a:xfrm>
+            <a:off x="-27906" y="667553"/>
+            <a:ext cx="12192000" cy="0"/>
+          </a:xfrm>
+          <a:prstGeom prst="line">
+            <a:avLst/>
+          </a:prstGeom>
+          <a:ln/>
+        </p:spPr>
+        <p:style>
+          <a:lnRef idx="3">
+            <a:schemeClr val="accent1"/>
+          </a:lnRef>
+          <a:fillRef idx="0">
+            <a:schemeClr val="accent1"/>
+          </a:fillRef>
+          <a:effectRef idx="2">
+            <a:schemeClr val="accent1"/>
+          </a:effectRef>
+          <a:fontRef idx="minor">
+            <a:schemeClr val="tx1"/>
+          </a:fontRef>
+        </p:style>
+      </p:cxnSp>
+      <p:cxnSp>
+        <p:nvCxnSpPr>
+          <p:cNvPr id="10" name="Straight Connector 9">
+            <a:extLst>
+              <a:ext uri="{FF2B5EF4-FFF2-40B4-BE49-F238E27FC236}">
+                <a16:creationId xmlns:a16="http://schemas.microsoft.com/office/drawing/2014/main" id="{1CBDAB68-BDD5-974E-A3B6-C40CFC736E7E}"/>
+              </a:ext>
+            </a:extLst>
+          </p:cNvPr>
+          <p:cNvCxnSpPr>
+            <a:cxnSpLocks/>
+          </p:cNvCxnSpPr>
+          <p:nvPr userDrawn="1"/>
+        </p:nvCxnSpPr>
+        <p:spPr>
+          <a:xfrm>
+            <a:off x="639655" y="-12879"/>
+            <a:ext cx="0" cy="6858000"/>
+          </a:xfrm>
+          <a:prstGeom prst="line">
+            <a:avLst/>
+          </a:prstGeom>
+          <a:ln>
+            <a:solidFill>
+              <a:schemeClr val="accent1"/>
+            </a:solidFill>
+          </a:ln>
+        </p:spPr>
+        <p:style>
+          <a:lnRef idx="3">
+            <a:schemeClr val="accent1"/>
+          </a:lnRef>
+          <a:fillRef idx="0">
+            <a:schemeClr val="accent1"/>
+          </a:fillRef>
+          <a:effectRef idx="2">
+            <a:schemeClr val="accent1"/>
+          </a:effectRef>
+          <a:fontRef idx="minor">
+            <a:schemeClr val="tx1"/>
+          </a:fontRef>
+        </p:style>
+      </p:cxnSp>
+      <p:cxnSp>
+        <p:nvCxnSpPr>
+          <p:cNvPr id="13" name="Straight Connector 12">
+            <a:extLst>
+              <a:ext uri="{FF2B5EF4-FFF2-40B4-BE49-F238E27FC236}">
+                <a16:creationId xmlns:a16="http://schemas.microsoft.com/office/drawing/2014/main" id="{6614D9F8-6500-9D46-8266-5A672A14F090}"/>
+              </a:ext>
+            </a:extLst>
+          </p:cNvPr>
+          <p:cNvCxnSpPr>
+            <a:cxnSpLocks/>
+          </p:cNvCxnSpPr>
+          <p:nvPr userDrawn="1"/>
+        </p:nvCxnSpPr>
+        <p:spPr>
+          <a:xfrm>
+            <a:off x="740539" y="-15027"/>
+            <a:ext cx="0" cy="6858000"/>
+          </a:xfrm>
+          <a:prstGeom prst="line">
+            <a:avLst/>
+          </a:prstGeom>
+          <a:ln>
+            <a:solidFill>
+              <a:schemeClr val="accent1"/>
+            </a:solidFill>
+          </a:ln>
+        </p:spPr>
+        <p:style>
+          <a:lnRef idx="3">
+            <a:schemeClr val="accent1"/>
+          </a:lnRef>
+          <a:fillRef idx="0">
+            <a:schemeClr val="accent1"/>
+          </a:fillRef>
+          <a:effectRef idx="2">
+            <a:schemeClr val="accent1"/>
+          </a:effectRef>
+          <a:fontRef idx="minor">
+            <a:schemeClr val="tx1"/>
+          </a:fontRef>
+        </p:style>
+      </p:cxnSp>
     </p:spTree>
     <p:extLst>
       <p:ext uri="{BB962C8B-B14F-4D97-AF65-F5344CB8AC3E}">
@@ -3498,7 +3658,7 @@
         </p:nvSpPr>
         <p:spPr>
           <a:xfrm>
-            <a:off x="838200" y="660093"/>
+            <a:off x="990605" y="923336"/>
             <a:ext cx="10515600" cy="1325563"/>
           </a:xfrm>
         </p:spPr>
@@ -3539,7 +3699,7 @@
         </p:nvSpPr>
         <p:spPr>
           <a:xfrm>
-            <a:off x="838200" y="2477729"/>
+            <a:off x="990605" y="2740972"/>
             <a:ext cx="10515600" cy="3699234"/>
           </a:xfrm>
         </p:spPr>
@@ -3628,7 +3788,12 @@
             <p:ph type="title"/>
           </p:nvPr>
         </p:nvSpPr>
-        <p:spPr/>
+        <p:spPr>
+          <a:xfrm>
+            <a:off x="1059880" y="642223"/>
+            <a:ext cx="10515600" cy="1325563"/>
+          </a:xfrm>
+        </p:spPr>
         <p:txBody>
           <a:bodyPr/>
           <a:lstStyle/>
@@ -3658,7 +3823,7 @@
         </p:nvSpPr>
         <p:spPr>
           <a:xfrm>
-            <a:off x="838200" y="1825625"/>
+            <a:off x="1059880" y="2102723"/>
             <a:ext cx="10515600" cy="1522259"/>
           </a:xfrm>
         </p:spPr>
@@ -3682,13 +3847,8 @@
           <a:p>
             <a:r>
               <a:rPr lang="en-US" dirty="0"/>
-              <a:t>1000+ </a:t>
-            </a:r>
-            <a:r>
-              <a:rPr lang="en-US"/>
-              <a:t>article titles</a:t>
-            </a:r>
-            <a:endParaRPr lang="en-US" dirty="0"/>
+              <a:t>1000+ article titles</a:t>
+            </a:r>
           </a:p>
         </p:txBody>
       </p:sp>
@@ -3708,7 +3868,7 @@
         </p:nvSpPr>
         <p:spPr>
           <a:xfrm>
-            <a:off x="838200" y="3127988"/>
+            <a:off x="1059880" y="3405086"/>
             <a:ext cx="10515600" cy="1325563"/>
           </a:xfrm>
           <a:prstGeom prst="rect">
@@ -3762,7 +3922,7 @@
         </p:nvSpPr>
         <p:spPr>
           <a:xfrm>
-            <a:off x="838200" y="4588488"/>
+            <a:off x="1059880" y="4865586"/>
             <a:ext cx="10515600" cy="1522259"/>
           </a:xfrm>
           <a:prstGeom prst="rect">
@@ -3997,7 +4157,12 @@
             <p:ph type="title"/>
           </p:nvPr>
         </p:nvSpPr>
-        <p:spPr/>
+        <p:spPr>
+          <a:xfrm>
+            <a:off x="990605" y="669935"/>
+            <a:ext cx="10515600" cy="1325563"/>
+          </a:xfrm>
+        </p:spPr>
         <p:txBody>
           <a:bodyPr/>
           <a:lstStyle/>
@@ -4025,26 +4190,19 @@
             <p:ph idx="1"/>
           </p:nvPr>
         </p:nvSpPr>
-        <p:spPr/>
+        <p:spPr>
+          <a:xfrm>
+            <a:off x="990605" y="2130435"/>
+            <a:ext cx="10515600" cy="4351338"/>
+          </a:xfrm>
+        </p:spPr>
         <p:txBody>
           <a:bodyPr/>
           <a:lstStyle/>
           <a:p>
             <a:r>
               <a:rPr lang="en-US" dirty="0"/>
-              <a:t>Use AI (</a:t>
-            </a:r>
-            <a:r>
-              <a:rPr lang="en-US" dirty="0">
-                <a:solidFill>
-                  <a:srgbClr val="FF0000"/>
-                </a:solidFill>
-              </a:rPr>
-              <a:t>Mistral Large</a:t>
-            </a:r>
-            <a:r>
-              <a:rPr lang="en-US" dirty="0"/>
-              <a:t>) to extract information from uploaded articles</a:t>
+              <a:t>Use AI (Mistral Large) to extract information from uploaded articles</a:t>
             </a:r>
           </a:p>
           <a:p>
@@ -4113,8 +4271,8 @@
         </p:blipFill>
         <p:spPr>
           <a:xfrm>
-            <a:off x="540431" y="-64"/>
-            <a:ext cx="11111242" cy="6858064"/>
+            <a:off x="803563" y="820795"/>
+            <a:ext cx="9781309" cy="6037205"/>
           </a:xfrm>
           <a:prstGeom prst="rect">
             <a:avLst/>
@@ -4287,7 +4445,12 @@
             <p:ph type="title"/>
           </p:nvPr>
         </p:nvSpPr>
-        <p:spPr/>
+        <p:spPr>
+          <a:xfrm>
+            <a:off x="907475" y="780775"/>
+            <a:ext cx="10515600" cy="1325563"/>
+          </a:xfrm>
+        </p:spPr>
         <p:txBody>
           <a:bodyPr/>
           <a:lstStyle/>
@@ -4315,7 +4478,12 @@
             <p:ph idx="1"/>
           </p:nvPr>
         </p:nvSpPr>
-        <p:spPr/>
+        <p:spPr>
+          <a:xfrm>
+            <a:off x="907475" y="2241275"/>
+            <a:ext cx="10515600" cy="4351338"/>
+          </a:xfrm>
+        </p:spPr>
         <p:txBody>
           <a:bodyPr>
             <a:normAutofit/>
@@ -4323,16 +4491,8 @@
           <a:lstStyle/>
           <a:p>
             <a:r>
-              <a:rPr lang="en-US" sz="3200" dirty="0" err="1"/>
-              <a:t>Statitics</a:t>
-            </a:r>
-            <a:r>
-              <a:rPr lang="en-US" sz="3200"/>
-              <a:t> for determining </a:t>
-            </a:r>
-            <a:r>
               <a:rPr lang="en-US" sz="3200" dirty="0"/>
-              <a:t>the tone: </a:t>
+              <a:t>Statistics for determining the tone: </a:t>
             </a:r>
           </a:p>
           <a:p>

--- a/aihack.pptx
+++ b/aihack.pptx
@@ -3659,16 +3659,18 @@
         <p:spPr>
           <a:xfrm>
             <a:off x="990605" y="923336"/>
-            <a:ext cx="10515600" cy="1325563"/>
+            <a:ext cx="10515600" cy="1695173"/>
           </a:xfrm>
         </p:spPr>
         <p:txBody>
-          <a:bodyPr/>
+          <a:bodyPr>
+            <a:normAutofit fontScale="90000"/>
+          </a:bodyPr>
           <a:lstStyle/>
           <a:p>
             <a:r>
               <a:rPr lang="en-US" dirty="0"/>
-              <a:t>Problem: Classification of articles concerning </a:t>
+              <a:t>Problem: Classification of articles mentioning </a:t>
             </a:r>
             <a:r>
               <a:rPr lang="en-US" dirty="0" err="1"/>
@@ -3676,7 +3678,15 @@
             </a:r>
             <a:r>
               <a:rPr lang="en-US" dirty="0"/>
-              <a:t> based on tone and theme</a:t>
+              <a:t> or </a:t>
+            </a:r>
+            <a:r>
+              <a:rPr lang="en-US" dirty="0" err="1"/>
+              <a:t>Enedis</a:t>
+            </a:r>
+            <a:r>
+              <a:rPr lang="en-US" dirty="0"/>
+              <a:t>-related topics based on tone and theme</a:t>
             </a:r>
           </a:p>
         </p:txBody>
@@ -3717,7 +3727,7 @@
             </a:r>
             <a:r>
               <a:rPr lang="en-US" dirty="0"/>
-              <a:t> are gathered from the media</a:t>
+              <a:t> or aspects of the power grid are gathered from the media.</a:t>
             </a:r>
           </a:p>
           <a:p>
@@ -3731,7 +3741,7 @@
             </a:r>
             <a:r>
               <a:rPr lang="en-US" dirty="0"/>
-              <a:t> being projected in the media is time-consuming</a:t>
+              <a:t> and its services being projected in the media is time-consuming.</a:t>
             </a:r>
           </a:p>
           <a:p>
@@ -3868,7 +3878,7 @@
         </p:nvSpPr>
         <p:spPr>
           <a:xfrm>
-            <a:off x="1059880" y="3405086"/>
+            <a:off x="1059880" y="3488216"/>
             <a:ext cx="10515600" cy="1325563"/>
           </a:xfrm>
           <a:prstGeom prst="rect">
@@ -4202,19 +4212,33 @@
           <a:p>
             <a:r>
               <a:rPr lang="en-US" dirty="0"/>
-              <a:t>Use AI (Mistral Large) to extract information from uploaded articles</a:t>
+              <a:t>Supply a web-based frontend to enable users to upload articles.</a:t>
             </a:r>
           </a:p>
           <a:p>
             <a:r>
               <a:rPr lang="en-US" dirty="0"/>
-              <a:t>Give AI examples of “positive,” “negative,” “factual,” …</a:t>
+              <a:t>Send the text to Amazon bedrock to be interpreted by an AI model (Mistral Large).</a:t>
             </a:r>
           </a:p>
           <a:p>
             <a:r>
               <a:rPr lang="en-US" dirty="0"/>
-              <a:t>Other details…</a:t>
+              <a:t>Give AI examples of article content with expected outcomes and have the AI roleplay as a </a:t>
+            </a:r>
+            <a:r>
+              <a:rPr lang="en-US" dirty="0" err="1"/>
+              <a:t>Enedis</a:t>
+            </a:r>
+            <a:r>
+              <a:rPr lang="en-US" dirty="0"/>
+              <a:t> analysist while interpreting the articles for their tone and theme.</a:t>
+            </a:r>
+          </a:p>
+          <a:p>
+            <a:r>
+              <a:rPr lang="en-US" dirty="0"/>
+              <a:t>Return the AI output to the frontend.</a:t>
             </a:r>
           </a:p>
         </p:txBody>
@@ -4263,16 +4287,15 @@
           </p:cNvPicPr>
           <p:nvPr/>
         </p:nvPicPr>
-        <p:blipFill>
+        <p:blipFill rotWithShape="1">
           <a:blip r:embed="rId2"/>
-          <a:stretch>
-            <a:fillRect/>
-          </a:stretch>
+          <a:srcRect t="3759" b="5995"/>
+          <a:stretch/>
         </p:blipFill>
         <p:spPr>
           <a:xfrm>
-            <a:off x="803563" y="820795"/>
-            <a:ext cx="9781309" cy="6037205"/>
+            <a:off x="803563" y="799837"/>
+            <a:ext cx="10876194" cy="6058163"/>
           </a:xfrm>
           <a:prstGeom prst="rect">
             <a:avLst/>

--- a/aihack.pptx
+++ b/aihack.pptx
@@ -12,7 +12,8 @@
     <p:sldId id="260" r:id="rId6"/>
     <p:sldId id="261" r:id="rId7"/>
     <p:sldId id="262" r:id="rId8"/>
-    <p:sldId id="263" r:id="rId9"/>
+    <p:sldId id="264" r:id="rId9"/>
+    <p:sldId id="263" r:id="rId10"/>
   </p:sldIdLst>
   <p:sldSz cx="12192000" cy="6858000"/>
   <p:notesSz cx="6858000" cy="9144000"/>
@@ -4452,6 +4453,66 @@
           <a:chExt cx="0" cy="0"/>
         </a:xfrm>
       </p:grpSpPr>
+      <p:pic>
+        <p:nvPicPr>
+          <p:cNvPr id="3" name="Picture 2">
+            <a:extLst>
+              <a:ext uri="{FF2B5EF4-FFF2-40B4-BE49-F238E27FC236}">
+                <a16:creationId xmlns:a16="http://schemas.microsoft.com/office/drawing/2014/main" id="{9643A9A7-6BE1-094C-97B7-E935359DF185}"/>
+              </a:ext>
+            </a:extLst>
+          </p:cNvPr>
+          <p:cNvPicPr>
+            <a:picLocks noChangeAspect="1"/>
+          </p:cNvPicPr>
+          <p:nvPr/>
+        </p:nvPicPr>
+        <p:blipFill>
+          <a:blip r:embed="rId2"/>
+          <a:stretch>
+            <a:fillRect/>
+          </a:stretch>
+        </p:blipFill>
+        <p:spPr>
+          <a:xfrm>
+            <a:off x="876300" y="831439"/>
+            <a:ext cx="10896600" cy="5950361"/>
+          </a:xfrm>
+          <a:prstGeom prst="rect">
+            <a:avLst/>
+          </a:prstGeom>
+        </p:spPr>
+      </p:pic>
+    </p:spTree>
+    <p:extLst>
+      <p:ext uri="{BB962C8B-B14F-4D97-AF65-F5344CB8AC3E}">
+        <p14:creationId xmlns:p14="http://schemas.microsoft.com/office/powerpoint/2010/main" val="47485632"/>
+      </p:ext>
+    </p:extLst>
+  </p:cSld>
+  <p:clrMapOvr>
+    <a:masterClrMapping/>
+  </p:clrMapOvr>
+</p:sld>
+</file>
+
+<file path=ppt/slides/slide9.xml><?xml version="1.0" encoding="utf-8"?>
+<p:sld xmlns:a="http://schemas.openxmlformats.org/drawingml/2006/main" xmlns:r="http://schemas.openxmlformats.org/officeDocument/2006/relationships" xmlns:p="http://schemas.openxmlformats.org/presentationml/2006/main">
+  <p:cSld>
+    <p:spTree>
+      <p:nvGrpSpPr>
+        <p:cNvPr id="1" name=""/>
+        <p:cNvGrpSpPr/>
+        <p:nvPr/>
+      </p:nvGrpSpPr>
+      <p:grpSpPr>
+        <a:xfrm>
+          <a:off x="0" y="0"/>
+          <a:ext cx="0" cy="0"/>
+          <a:chOff x="0" y="0"/>
+          <a:chExt cx="0" cy="0"/>
+        </a:xfrm>
+      </p:grpSpPr>
       <p:sp>
         <p:nvSpPr>
           <p:cNvPr id="2" name="Title 1">
